--- a/Slide_TT/52000775_52000896_52000092.pptx
+++ b/Slide_TT/52000775_52000896_52000092.pptx
@@ -18,10 +18,11 @@
     <p:sldId id="286" r:id="rId13"/>
     <p:sldId id="287" r:id="rId14"/>
     <p:sldId id="290" r:id="rId15"/>
-    <p:sldId id="292" r:id="rId16"/>
-    <p:sldId id="294" r:id="rId17"/>
-    <p:sldId id="293" r:id="rId18"/>
-    <p:sldId id="270" r:id="rId19"/>
+    <p:sldId id="294" r:id="rId16"/>
+    <p:sldId id="300" r:id="rId17"/>
+    <p:sldId id="297" r:id="rId18"/>
+    <p:sldId id="293" r:id="rId19"/>
+    <p:sldId id="270" r:id="rId20"/>
   </p:sldIdLst>
   <p:sldSz cx="12192000" cy="6858000"/>
   <p:notesSz cx="6858000" cy="9144000"/>
@@ -128,7 +129,7 @@
             <a:srgbClr val="A4A3A4"/>
           </p15:clr>
         </p15:guide>
-        <p15:guide id="2" pos="3840" userDrawn="1">
+        <p15:guide id="2" pos="3845" userDrawn="1">
           <p15:clr>
             <a:srgbClr val="A4A3A4"/>
           </p15:clr>
@@ -5068,7 +5069,7 @@
           <a:p>
             <a:r>
               <a:rPr lang="en-US" dirty="0"/>
-              <a:t>input, output của bài toán</a:t>
+              <a:t>triển khai thuật toán trên python</a:t>
             </a:r>
             <a:endParaRPr lang="en-US" dirty="0"/>
           </a:p>
@@ -5310,67 +5311,87 @@
             </a:pPr>
             <a:r>
               <a:rPr lang="en-US" sz="2000" dirty="0"/>
-              <a:t>1. INPUT:</a:t>
+              <a:t>Để giải quyết bài toán TSP, chúng em chia nhỏ từng vấn đề để xử lý. Cụ thể gồm 7 file python:</a:t>
             </a:r>
             <a:endParaRPr lang="en-US" sz="2000" dirty="0"/>
           </a:p>
           <a:p>
+            <a:pPr marL="457200" indent="-457200">
+              <a:buAutoNum type="arabicPeriod"/>
+            </a:pPr>
+            <a:r>
+              <a:rPr lang="en-US" sz="2000" dirty="0"/>
+              <a:t>functions.py: File chứa một số hàm bổ trợ</a:t>
+            </a:r>
+            <a:endParaRPr lang="en-US" sz="2000" dirty="0"/>
+          </a:p>
+          <a:p>
+            <a:pPr marL="457200" indent="-457200">
+              <a:buAutoNum type="arabicPeriod"/>
+            </a:pPr>
+            <a:r>
+              <a:rPr lang="en-US" sz="2000" dirty="0"/>
+              <a:t>distance_matrix.py: File tạo ra ma trận khoảng cách giữa các thành phố</a:t>
+            </a:r>
+            <a:endParaRPr lang="en-US" sz="2000" dirty="0"/>
+          </a:p>
+          <a:p>
+            <a:pPr marL="457200" indent="-457200">
+              <a:buAutoNum type="arabicPeriod"/>
+            </a:pPr>
+            <a:r>
+              <a:rPr lang="en-US" sz="2000" dirty="0"/>
+              <a:t>ReadDistanceMatrix.py: File đọc dữ liệu đầu vào</a:t>
+            </a:r>
+            <a:endParaRPr lang="en-US" sz="2000" dirty="0"/>
+          </a:p>
+          <a:p>
+            <a:pPr marL="457200" indent="-457200">
+              <a:buAutoNum type="arabicPeriod"/>
+            </a:pPr>
+            <a:r>
+              <a:rPr lang="en-US" sz="2000" dirty="0"/>
+              <a:t>ACO.py: File triển khai thuật toán ACO</a:t>
+            </a:r>
+            <a:endParaRPr lang="en-US" sz="2000" dirty="0"/>
+          </a:p>
+          <a:p>
+            <a:pPr marL="457200" indent="-457200">
+              <a:buAutoNum type="arabicPeriod"/>
+            </a:pPr>
+            <a:r>
+              <a:rPr lang="en-US" sz="2000" dirty="0"/>
+              <a:t>FPA.py: File triển khai thuật toán FPA</a:t>
+            </a:r>
+            <a:endParaRPr lang="en-US" sz="2000" dirty="0"/>
+          </a:p>
+          <a:p>
+            <a:pPr marL="457200" indent="-457200">
+              <a:buAutoNum type="arabicPeriod"/>
+            </a:pPr>
+            <a:r>
+              <a:rPr lang="en-US" sz="2000" dirty="0"/>
+              <a:t>two_opt.py: File triển khai thuật toán 2-local_search</a:t>
+            </a:r>
+            <a:endParaRPr lang="en-US" sz="2000" dirty="0"/>
+          </a:p>
+          <a:p>
+            <a:pPr marL="457200" indent="-457200">
+              <a:buAutoNum type="arabicPeriod"/>
+            </a:pPr>
+            <a:r>
+              <a:rPr lang="en-US" sz="2000" dirty="0"/>
+              <a:t>ASFPALs-2opt.py: File chính (giải quyết bài toán TSP)</a:t>
+            </a:r>
+            <a:endParaRPr lang="en-US" sz="2000" dirty="0"/>
+          </a:p>
+          <a:p>
             <a:pPr marL="0" indent="0">
               <a:buNone/>
             </a:pPr>
             <a:r>
               <a:rPr lang="en-US" sz="2000" dirty="0"/>
-              <a:t>Đầu là vào tập hợp các thành số với hai tham số x và y, biểu thị cho tọa độ của thành phố đó.</a:t>
-            </a:r>
-            <a:endParaRPr lang="en-US" sz="2000" dirty="0"/>
-          </a:p>
-          <a:p>
-            <a:pPr marL="0" indent="0">
-              <a:buNone/>
-            </a:pPr>
-            <a:r>
-              <a:rPr lang="en-US" sz="2000" dirty="0"/>
-              <a:t>Tạo ra một ma trận khoảng cách giữa các thành phố với nhau. </a:t>
-            </a:r>
-            <a:endParaRPr lang="en-US" sz="2000" dirty="0"/>
-          </a:p>
-          <a:p>
-            <a:pPr marL="0" indent="0">
-              <a:buNone/>
-            </a:pPr>
-            <a:r>
-              <a:rPr lang="en-US" sz="2000" dirty="0"/>
-              <a:t>Để tránh có đường đi lí tưởng (giữa hai thành phố bất kỳ luôn có đường đi), chúng ta thực hiện random để loại bỏ ngẫu nhiên một số khoảng cách của 2 thành phố bất kỳ.</a:t>
-            </a:r>
-            <a:endParaRPr lang="en-US" sz="2000" dirty="0"/>
-          </a:p>
-          <a:p>
-            <a:pPr marL="0" indent="0">
-              <a:buNone/>
-            </a:pPr>
-            <a:r>
-              <a:rPr lang="en-US" sz="2000" dirty="0"/>
-              <a:t>2. OUTPUT:</a:t>
-            </a:r>
-            <a:endParaRPr lang="en-US" sz="2000" dirty="0"/>
-          </a:p>
-          <a:p>
-            <a:pPr marL="0" indent="0">
-              <a:buNone/>
-            </a:pPr>
-            <a:r>
-              <a:rPr lang="en-US" sz="2000" dirty="0"/>
-              <a:t>Đầu ra là một mảng chứa giải pháp tối ưu (đường đi tối ưu), bắt đầu và kết thúc tại một thành phố, đi qua tất cả các thành phố một lần </a:t>
-            </a:r>
-            <a:endParaRPr lang="en-US" sz="2000" dirty="0"/>
-          </a:p>
-          <a:p>
-            <a:pPr marL="0" indent="0">
-              <a:buNone/>
-            </a:pPr>
-            <a:r>
-              <a:rPr lang="en-US" sz="2000" dirty="0"/>
-              <a:t>Tổng khoảng cách của đường đi đó	</a:t>
+              <a:t>	</a:t>
             </a:r>
             <a:endParaRPr lang="en-US" sz="2000" dirty="0"/>
           </a:p>
@@ -5411,12 +5432,7 @@
             <p:ph type="title"/>
           </p:nvPr>
         </p:nvSpPr>
-        <p:spPr>
-          <a:xfrm>
-            <a:off x="1815473" y="104723"/>
-            <a:ext cx="9603275" cy="1049235"/>
-          </a:xfrm>
-        </p:spPr>
+        <p:spPr/>
         <p:txBody>
           <a:bodyPr/>
           <a:lstStyle/>
@@ -5660,17 +5676,509 @@
             </a:lvl9pPr>
           </a:lstStyle>
           <a:p>
-            <a:pPr marL="0" indent="0">
+            <a:pPr marL="0" indent="0" algn="ctr">
               <a:buNone/>
             </a:pPr>
             <a:r>
               <a:rPr lang="en-US" sz="2000" dirty="0"/>
-              <a:t>	</a:t>
+              <a:t>	File two_opt.py</a:t>
             </a:r>
             <a:endParaRPr lang="en-US" sz="2000" dirty="0"/>
           </a:p>
         </p:txBody>
       </p:sp>
+      <p:graphicFrame>
+        <p:nvGraphicFramePr>
+          <p:cNvPr id="3" name="Table 2"/>
+          <p:cNvGraphicFramePr/>
+          <p:nvPr/>
+        </p:nvGraphicFramePr>
+        <p:xfrm>
+          <a:off x="116205" y="1489710"/>
+          <a:ext cx="11975465" cy="4236720"/>
+        </p:xfrm>
+        <a:graphic>
+          <a:graphicData uri="http://schemas.openxmlformats.org/drawingml/2006/table">
+            <a:tbl>
+              <a:tblPr firstRow="1" bandRow="1">
+                <a:tableStyleId>{5C22544A-7EE6-4342-B048-85BDC9FD1C3A}</a:tableStyleId>
+              </a:tblPr>
+              <a:tblGrid>
+                <a:gridCol w="2605405"/>
+                <a:gridCol w="6436360"/>
+                <a:gridCol w="2933700"/>
+              </a:tblGrid>
+              <a:tr h="381000">
+                <a:tc>
+                  <a:txBody>
+                    <a:bodyPr/>
+                    <a:p>
+                      <a:pPr algn="ctr">
+                        <a:buNone/>
+                      </a:pPr>
+                      <a:r>
+                        <a:rPr lang="en-US"/>
+                        <a:t>Hàm</a:t>
+                      </a:r>
+                      <a:endParaRPr lang="en-US"/>
+                    </a:p>
+                  </a:txBody>
+                  <a:tcPr/>
+                </a:tc>
+                <a:tc>
+                  <a:txBody>
+                    <a:bodyPr/>
+                    <a:p>
+                      <a:pPr algn="ctr">
+                        <a:buNone/>
+                      </a:pPr>
+                      <a:r>
+                        <a:rPr lang="en-US"/>
+                        <a:t>Chức năng</a:t>
+                      </a:r>
+                      <a:endParaRPr lang="en-US"/>
+                    </a:p>
+                  </a:txBody>
+                  <a:tcPr/>
+                </a:tc>
+                <a:tc>
+                  <a:txBody>
+                    <a:bodyPr/>
+                    <a:p>
+                      <a:pPr algn="ctr">
+                        <a:buNone/>
+                      </a:pPr>
+                      <a:r>
+                        <a:rPr lang="en-US"/>
+                        <a:t>Độ phức tạp</a:t>
+                      </a:r>
+                      <a:endParaRPr lang="en-US"/>
+                    </a:p>
+                  </a:txBody>
+                  <a:tcPr/>
+                </a:tc>
+              </a:tr>
+              <a:tr h="381000">
+                <a:tc>
+                  <a:txBody>
+                    <a:bodyPr/>
+                    <a:p>
+                      <a:pPr algn="just">
+                        <a:buNone/>
+                      </a:pPr>
+                      <a:r>
+                        <a:rPr lang="en-US"/>
+                        <a:t>distance_calc</a:t>
+                      </a:r>
+                      <a:endParaRPr lang="en-US"/>
+                    </a:p>
+                  </a:txBody>
+                  <a:tcPr/>
+                </a:tc>
+                <a:tc>
+                  <a:txBody>
+                    <a:bodyPr/>
+                    <a:p>
+                      <a:pPr algn="just">
+                        <a:buNone/>
+                      </a:pPr>
+                      <a:r>
+                        <a:rPr lang="en-US"/>
+                        <a:t>Tính tổng khoảng cách của một tour du lịch.</a:t>
+                      </a:r>
+                      <a:endParaRPr lang="en-US"/>
+                    </a:p>
+                  </a:txBody>
+                  <a:tcPr/>
+                </a:tc>
+                <a:tc>
+                  <a:txBody>
+                    <a:bodyPr/>
+                    <a:p>
+                      <a:pPr algn="just">
+                        <a:buNone/>
+                      </a:pPr>
+                      <a:endParaRPr lang="en-US"/>
+                    </a:p>
+                  </a:txBody>
+                  <a:tcPr/>
+                </a:tc>
+              </a:tr>
+              <a:tr h="381000">
+                <a:tc>
+                  <a:txBody>
+                    <a:bodyPr/>
+                    <a:p>
+                      <a:pPr algn="just">
+                        <a:buNone/>
+                      </a:pPr>
+                      <a:r>
+                        <a:rPr lang="en-US"/>
+                        <a:t>local_search_2_opt</a:t>
+                      </a:r>
+                      <a:endParaRPr lang="en-US"/>
+                    </a:p>
+                  </a:txBody>
+                  <a:tcPr/>
+                </a:tc>
+                <a:tc>
+                  <a:txBody>
+                    <a:bodyPr/>
+                    <a:p>
+                      <a:pPr algn="just">
+                        <a:buNone/>
+                      </a:pPr>
+                      <a:r>
+                        <a:rPr lang="en-US"/>
+                        <a:t>Tìm kiếm cục bộ 2-opt để cải thiện tour du lịch</a:t>
+                      </a:r>
+                      <a:endParaRPr lang="en-US"/>
+                    </a:p>
+                  </a:txBody>
+                  <a:tcPr/>
+                </a:tc>
+                <a:tc>
+                  <a:txBody>
+                    <a:bodyPr/>
+                    <a:p>
+                      <a:pPr algn="just">
+                        <a:buNone/>
+                      </a:pPr>
+                      <a:endParaRPr lang="en-US"/>
+                    </a:p>
+                  </a:txBody>
+                  <a:tcPr/>
+                </a:tc>
+              </a:tr>
+            </a:tbl>
+          </a:graphicData>
+        </a:graphic>
+      </p:graphicFrame>
+      <p:sp>
+        <p:nvSpPr>
+          <p:cNvPr id="5" name="Text Box 4"/>
+          <p:cNvSpPr txBox="1"/>
+          <p:nvPr/>
+        </p:nvSpPr>
+        <p:spPr>
+          <a:xfrm>
+            <a:off x="4221480" y="2742565"/>
+            <a:ext cx="4064000" cy="368300"/>
+          </a:xfrm>
+          <a:prstGeom prst="rect">
+            <a:avLst/>
+          </a:prstGeom>
+          <a:noFill/>
+        </p:spPr>
+        <p:txBody>
+          <a:bodyPr wrap="square" rtlCol="0">
+            <a:spAutoFit/>
+          </a:bodyPr>
+          <a:p>
+            <a:pPr algn="ctr"/>
+            <a:r>
+              <a:rPr lang="en-US"/>
+              <a:t>File FPA.py</a:t>
+            </a:r>
+            <a:endParaRPr lang="en-US"/>
+          </a:p>
+        </p:txBody>
+      </p:sp>
+      <p:graphicFrame>
+        <p:nvGraphicFramePr>
+          <p:cNvPr id="7" name="Content Placeholder 6"/>
+          <p:cNvGraphicFramePr/>
+          <p:nvPr>
+            <p:ph idx="1"/>
+          </p:nvPr>
+        </p:nvGraphicFramePr>
+        <p:xfrm>
+          <a:off x="116840" y="3220720"/>
+          <a:ext cx="11974830" cy="2736850"/>
+        </p:xfrm>
+        <a:graphic>
+          <a:graphicData uri="http://schemas.openxmlformats.org/drawingml/2006/table">
+            <a:tbl>
+              <a:tblPr firstRow="1" bandRow="1">
+                <a:tableStyleId>{5C22544A-7EE6-4342-B048-85BDC9FD1C3A}</a:tableStyleId>
+              </a:tblPr>
+              <a:tblGrid>
+                <a:gridCol w="2605405"/>
+                <a:gridCol w="6435725"/>
+                <a:gridCol w="2933700"/>
+              </a:tblGrid>
+              <a:tr h="409575">
+                <a:tc>
+                  <a:txBody>
+                    <a:bodyPr/>
+                    <a:p>
+                      <a:pPr algn="ctr">
+                        <a:buNone/>
+                      </a:pPr>
+                      <a:r>
+                        <a:rPr lang="en-US"/>
+                        <a:t>Hàm</a:t>
+                      </a:r>
+                      <a:endParaRPr lang="en-US"/>
+                    </a:p>
+                  </a:txBody>
+                  <a:tcPr/>
+                </a:tc>
+                <a:tc>
+                  <a:txBody>
+                    <a:bodyPr/>
+                    <a:p>
+                      <a:pPr algn="ctr">
+                        <a:buNone/>
+                      </a:pPr>
+                      <a:r>
+                        <a:rPr lang="en-US"/>
+                        <a:t>Chức năng</a:t>
+                      </a:r>
+                      <a:endParaRPr lang="en-US"/>
+                    </a:p>
+                  </a:txBody>
+                  <a:tcPr/>
+                </a:tc>
+                <a:tc>
+                  <a:txBody>
+                    <a:bodyPr/>
+                    <a:p>
+                      <a:pPr algn="ctr">
+                        <a:buNone/>
+                      </a:pPr>
+                      <a:r>
+                        <a:rPr lang="en-US"/>
+                        <a:t>Độ phức tạp</a:t>
+                      </a:r>
+                      <a:endParaRPr lang="en-US"/>
+                    </a:p>
+                  </a:txBody>
+                  <a:tcPr/>
+                </a:tc>
+              </a:tr>
+              <a:tr h="409575">
+                <a:tc>
+                  <a:txBody>
+                    <a:bodyPr/>
+                    <a:p>
+                      <a:pPr algn="just">
+                        <a:buNone/>
+                      </a:pPr>
+                      <a:r>
+                        <a:rPr lang="en-US"/>
+                        <a:t>init_population</a:t>
+                      </a:r>
+                      <a:endParaRPr lang="en-US"/>
+                    </a:p>
+                  </a:txBody>
+                  <a:tcPr/>
+                </a:tc>
+                <a:tc>
+                  <a:txBody>
+                    <a:bodyPr/>
+                    <a:p>
+                      <a:pPr algn="just">
+                        <a:buNone/>
+                      </a:pPr>
+                      <a:r>
+                        <a:rPr lang="en-US"/>
+                        <a:t>Tính tổng khoảng cách của một tour du lịch.</a:t>
+                      </a:r>
+                      <a:endParaRPr lang="en-US"/>
+                    </a:p>
+                  </a:txBody>
+                  <a:tcPr/>
+                </a:tc>
+                <a:tc>
+                  <a:txBody>
+                    <a:bodyPr/>
+                    <a:p>
+                      <a:pPr algn="just">
+                        <a:buNone/>
+                      </a:pPr>
+                      <a:endParaRPr lang="en-US"/>
+                    </a:p>
+                  </a:txBody>
+                  <a:tcPr/>
+                </a:tc>
+              </a:tr>
+              <a:tr h="410210">
+                <a:tc>
+                  <a:txBody>
+                    <a:bodyPr/>
+                    <a:p>
+                      <a:pPr algn="just">
+                        <a:buNone/>
+                      </a:pPr>
+                      <a:r>
+                        <a:rPr lang="en-US"/>
+                        <a:t>levy_flight</a:t>
+                      </a:r>
+                      <a:endParaRPr lang="en-US"/>
+                    </a:p>
+                  </a:txBody>
+                  <a:tcPr/>
+                </a:tc>
+                <a:tc>
+                  <a:txBody>
+                    <a:bodyPr/>
+                    <a:p>
+                      <a:pPr algn="just">
+                        <a:buNone/>
+                      </a:pPr>
+                      <a:r>
+                        <a:rPr lang="en-US"/>
+                        <a:t>Tìm kiếm cục bộ 2-opt để cải thiện tour du lịch</a:t>
+                      </a:r>
+                      <a:endParaRPr lang="en-US"/>
+                    </a:p>
+                  </a:txBody>
+                  <a:tcPr/>
+                </a:tc>
+                <a:tc>
+                  <a:txBody>
+                    <a:bodyPr/>
+                    <a:p>
+                      <a:pPr algn="just">
+                        <a:buNone/>
+                      </a:pPr>
+                      <a:endParaRPr lang="en-US"/>
+                    </a:p>
+                  </a:txBody>
+                  <a:tcPr/>
+                </a:tc>
+              </a:tr>
+              <a:tr h="409575">
+                <a:tc>
+                  <a:txBody>
+                    <a:bodyPr/>
+                    <a:p>
+                      <a:pPr algn="just">
+                        <a:buNone/>
+                      </a:pPr>
+                      <a:r>
+                        <a:rPr lang="en-US"/>
+                        <a:t>pollination_global</a:t>
+                      </a:r>
+                      <a:endParaRPr lang="en-US"/>
+                    </a:p>
+                  </a:txBody>
+                  <a:tcPr/>
+                </a:tc>
+                <a:tc>
+                  <a:txBody>
+                    <a:bodyPr/>
+                    <a:p>
+                      <a:pPr algn="just">
+                        <a:buNone/>
+                      </a:pPr>
+                      <a:endParaRPr lang="en-US"/>
+                    </a:p>
+                  </a:txBody>
+                  <a:tcPr/>
+                </a:tc>
+                <a:tc>
+                  <a:txBody>
+                    <a:bodyPr/>
+                    <a:p>
+                      <a:pPr algn="just">
+                        <a:buNone/>
+                      </a:pPr>
+                      <a:endParaRPr lang="en-US"/>
+                    </a:p>
+                  </a:txBody>
+                  <a:tcPr/>
+                </a:tc>
+              </a:tr>
+              <a:tr h="409575">
+                <a:tc>
+                  <a:txBody>
+                    <a:bodyPr/>
+                    <a:p>
+                      <a:pPr algn="just">
+                        <a:buNone/>
+                      </a:pPr>
+                      <a:r>
+                        <a:rPr lang="en-US"/>
+                        <a:t>pollination_local</a:t>
+                      </a:r>
+                      <a:endParaRPr lang="en-US"/>
+                    </a:p>
+                  </a:txBody>
+                  <a:tcPr/>
+                </a:tc>
+                <a:tc>
+                  <a:txBody>
+                    <a:bodyPr/>
+                    <a:p>
+                      <a:pPr algn="just">
+                        <a:buNone/>
+                      </a:pPr>
+                      <a:endParaRPr lang="en-US"/>
+                    </a:p>
+                  </a:txBody>
+                  <a:tcPr/>
+                </a:tc>
+                <a:tc>
+                  <a:txBody>
+                    <a:bodyPr/>
+                    <a:p>
+                      <a:pPr algn="just">
+                        <a:buNone/>
+                      </a:pPr>
+                      <a:endParaRPr lang="en-US"/>
+                    </a:p>
+                  </a:txBody>
+                  <a:tcPr/>
+                </a:tc>
+              </a:tr>
+              <a:tr h="688340">
+                <a:tc>
+                  <a:txBody>
+                    <a:bodyPr/>
+                    <a:p>
+                      <a:pPr algn="just">
+                        <a:buNone/>
+                      </a:pPr>
+                      <a:r>
+                        <a:rPr lang="en-US"/>
+                        <a:t>flower_pollination_algorithms</a:t>
+                      </a:r>
+                      <a:endParaRPr lang="en-US"/>
+                    </a:p>
+                  </a:txBody>
+                  <a:tcPr/>
+                </a:tc>
+                <a:tc>
+                  <a:txBody>
+                    <a:bodyPr/>
+                    <a:p>
+                      <a:pPr algn="just">
+                        <a:buNone/>
+                      </a:pPr>
+                      <a:endParaRPr lang="en-US"/>
+                    </a:p>
+                  </a:txBody>
+                  <a:tcPr/>
+                </a:tc>
+                <a:tc>
+                  <a:txBody>
+                    <a:bodyPr/>
+                    <a:p>
+                      <a:pPr algn="just">
+                        <a:buNone/>
+                      </a:pPr>
+                      <a:endParaRPr lang="en-US"/>
+                    </a:p>
+                  </a:txBody>
+                  <a:tcPr/>
+                </a:tc>
+              </a:tr>
+            </a:tbl>
+          </a:graphicData>
+        </a:graphic>
+      </p:graphicFrame>
     </p:spTree>
   </p:cSld>
   <p:clrMapOvr>
@@ -5718,7 +6226,7 @@
           <a:p>
             <a:r>
               <a:rPr lang="en-US" dirty="0"/>
-              <a:t>thời gian chạy cho bộ dữ liệu</a:t>
+              <a:t>triển khai thuật toán trên python</a:t>
             </a:r>
             <a:endParaRPr lang="en-US" dirty="0"/>
           </a:p>
@@ -5955,17 +6463,368 @@
             </a:lvl9pPr>
           </a:lstStyle>
           <a:p>
-            <a:pPr marL="0" indent="0">
+            <a:pPr marL="0" indent="0" algn="ctr">
               <a:buNone/>
             </a:pPr>
             <a:r>
               <a:rPr lang="en-US" sz="2000" dirty="0"/>
-              <a:t>	</a:t>
+              <a:t>	File ACO.py</a:t>
             </a:r>
             <a:endParaRPr lang="en-US" sz="2000" dirty="0"/>
           </a:p>
         </p:txBody>
       </p:sp>
+      <p:graphicFrame>
+        <p:nvGraphicFramePr>
+          <p:cNvPr id="3" name="Table 2"/>
+          <p:cNvGraphicFramePr/>
+          <p:nvPr/>
+        </p:nvGraphicFramePr>
+        <p:xfrm>
+          <a:off x="116205" y="1489710"/>
+          <a:ext cx="11975465" cy="4236720"/>
+        </p:xfrm>
+        <a:graphic>
+          <a:graphicData uri="http://schemas.openxmlformats.org/drawingml/2006/table">
+            <a:tbl>
+              <a:tblPr firstRow="1" bandRow="1">
+                <a:tableStyleId>{5C22544A-7EE6-4342-B048-85BDC9FD1C3A}</a:tableStyleId>
+              </a:tblPr>
+              <a:tblGrid>
+                <a:gridCol w="2605405"/>
+                <a:gridCol w="6436360"/>
+                <a:gridCol w="2933700"/>
+              </a:tblGrid>
+              <a:tr h="381000">
+                <a:tc>
+                  <a:txBody>
+                    <a:bodyPr/>
+                    <a:p>
+                      <a:pPr algn="ctr">
+                        <a:buNone/>
+                      </a:pPr>
+                      <a:r>
+                        <a:rPr lang="en-US"/>
+                        <a:t>Hàm</a:t>
+                      </a:r>
+                      <a:endParaRPr lang="en-US"/>
+                    </a:p>
+                  </a:txBody>
+                  <a:tcPr/>
+                </a:tc>
+                <a:tc>
+                  <a:txBody>
+                    <a:bodyPr/>
+                    <a:p>
+                      <a:pPr algn="ctr">
+                        <a:buNone/>
+                      </a:pPr>
+                      <a:r>
+                        <a:rPr lang="en-US"/>
+                        <a:t>Chức năng</a:t>
+                      </a:r>
+                      <a:endParaRPr lang="en-US"/>
+                    </a:p>
+                  </a:txBody>
+                  <a:tcPr/>
+                </a:tc>
+                <a:tc>
+                  <a:txBody>
+                    <a:bodyPr/>
+                    <a:p>
+                      <a:pPr algn="ctr">
+                        <a:buNone/>
+                      </a:pPr>
+                      <a:r>
+                        <a:rPr lang="en-US"/>
+                        <a:t>Độ phức tạp</a:t>
+                      </a:r>
+                      <a:endParaRPr lang="en-US"/>
+                    </a:p>
+                  </a:txBody>
+                  <a:tcPr/>
+                </a:tc>
+              </a:tr>
+              <a:tr h="381000">
+                <a:tc>
+                  <a:txBody>
+                    <a:bodyPr/>
+                    <a:p>
+                      <a:pPr algn="just">
+                        <a:buNone/>
+                      </a:pPr>
+                      <a:r>
+                        <a:rPr lang="en-US"/>
+                        <a:t>attractiveness</a:t>
+                      </a:r>
+                      <a:endParaRPr lang="en-US"/>
+                    </a:p>
+                  </a:txBody>
+                  <a:tcPr/>
+                </a:tc>
+                <a:tc>
+                  <a:txBody>
+                    <a:bodyPr/>
+                    <a:p>
+                      <a:pPr algn="just">
+                        <a:buNone/>
+                      </a:pPr>
+                      <a:r>
+                        <a:rPr lang="en-US"/>
+                        <a:t>Tính độ hấp dẫn của một ma trận khoảng cách</a:t>
+                      </a:r>
+                      <a:endParaRPr lang="en-US"/>
+                    </a:p>
+                  </a:txBody>
+                  <a:tcPr/>
+                </a:tc>
+                <a:tc>
+                  <a:txBody>
+                    <a:bodyPr/>
+                    <a:p>
+                      <a:pPr algn="just">
+                        <a:buNone/>
+                      </a:pPr>
+                      <a:endParaRPr lang="en-US"/>
+                    </a:p>
+                  </a:txBody>
+                  <a:tcPr/>
+                </a:tc>
+              </a:tr>
+              <a:tr h="381000">
+                <a:tc>
+                  <a:txBody>
+                    <a:bodyPr/>
+                    <a:p>
+                      <a:pPr algn="just">
+                        <a:buNone/>
+                      </a:pPr>
+                      <a:r>
+                        <a:rPr lang="en-US"/>
+                        <a:t>city_probability</a:t>
+                      </a:r>
+                      <a:endParaRPr lang="en-US"/>
+                    </a:p>
+                  </a:txBody>
+                  <a:tcPr/>
+                </a:tc>
+                <a:tc>
+                  <a:txBody>
+                    <a:bodyPr/>
+                    <a:p>
+                      <a:pPr algn="just">
+                        <a:buNone/>
+                      </a:pPr>
+                      <a:r>
+                        <a:rPr lang="en-US"/>
+                        <a:t>Tính toán xác suất tham quan của mỗi thành phố trong một chuyến du lịch dựa trên ma trận pheromone, ma trận heuristic và thành phố hiện tại</a:t>
+                      </a:r>
+                      <a:endParaRPr lang="en-US"/>
+                    </a:p>
+                  </a:txBody>
+                  <a:tcPr/>
+                </a:tc>
+                <a:tc>
+                  <a:txBody>
+                    <a:bodyPr/>
+                    <a:p>
+                      <a:pPr algn="just">
+                        <a:buNone/>
+                      </a:pPr>
+                      <a:endParaRPr lang="en-US"/>
+                    </a:p>
+                  </a:txBody>
+                  <a:tcPr/>
+                </a:tc>
+              </a:tr>
+              <a:tr h="381000">
+                <a:tc>
+                  <a:txBody>
+                    <a:bodyPr/>
+                    <a:p>
+                      <a:pPr algn="just">
+                        <a:buNone/>
+                      </a:pPr>
+                      <a:r>
+                        <a:rPr lang="en-US"/>
+                        <a:t>city_selection</a:t>
+                      </a:r>
+                      <a:endParaRPr lang="en-US"/>
+                    </a:p>
+                  </a:txBody>
+                  <a:tcPr/>
+                </a:tc>
+                <a:tc>
+                  <a:txBody>
+                    <a:bodyPr/>
+                    <a:p>
+                      <a:pPr algn="just">
+                        <a:buNone/>
+                      </a:pPr>
+                      <a:r>
+                        <a:rPr lang="en-US"/>
+                        <a:t>Lựa chọn một thành phố để tham quan tiếp theo dựa trên ma trận xác suất và danh sách các thành phố đã được tham quan</a:t>
+                      </a:r>
+                      <a:endParaRPr lang="en-US"/>
+                    </a:p>
+                  </a:txBody>
+                  <a:tcPr/>
+                </a:tc>
+                <a:tc>
+                  <a:txBody>
+                    <a:bodyPr/>
+                    <a:p>
+                      <a:pPr algn="just">
+                        <a:buNone/>
+                      </a:pPr>
+                      <a:endParaRPr lang="en-US"/>
+                    </a:p>
+                  </a:txBody>
+                  <a:tcPr/>
+                </a:tc>
+              </a:tr>
+              <a:tr h="381000">
+                <a:tc>
+                  <a:txBody>
+                    <a:bodyPr/>
+                    <a:p>
+                      <a:pPr algn="just">
+                        <a:buNone/>
+                      </a:pPr>
+                      <a:r>
+                        <a:rPr lang="en-US"/>
+                        <a:t>update_thau</a:t>
+                      </a:r>
+                      <a:endParaRPr lang="en-US"/>
+                    </a:p>
+                  </a:txBody>
+                  <a:tcPr/>
+                </a:tc>
+                <a:tc>
+                  <a:txBody>
+                    <a:bodyPr/>
+                    <a:p>
+                      <a:pPr algn="just">
+                        <a:buNone/>
+                      </a:pPr>
+                      <a:r>
+                        <a:rPr lang="en-US"/>
+                        <a:t>Cập nhật ma trận pheromone sau khi hoàn thành một chuyến tham quan</a:t>
+                      </a:r>
+                      <a:endParaRPr lang="en-US"/>
+                    </a:p>
+                  </a:txBody>
+                  <a:tcPr/>
+                </a:tc>
+                <a:tc>
+                  <a:txBody>
+                    <a:bodyPr/>
+                    <a:p>
+                      <a:pPr algn="just">
+                        <a:buNone/>
+                      </a:pPr>
+                      <a:endParaRPr lang="en-US"/>
+                    </a:p>
+                  </a:txBody>
+                  <a:tcPr/>
+                </a:tc>
+              </a:tr>
+              <a:tr h="381000">
+                <a:tc>
+                  <a:txBody>
+                    <a:bodyPr/>
+                    <a:p>
+                      <a:pPr algn="just">
+                        <a:buNone/>
+                      </a:pPr>
+                      <a:r>
+                        <a:rPr lang="en-US"/>
+                        <a:t>ants_path</a:t>
+                      </a:r>
+                      <a:endParaRPr lang="en-US"/>
+                    </a:p>
+                  </a:txBody>
+                  <a:tcPr/>
+                </a:tc>
+                <a:tc>
+                  <a:txBody>
+                    <a:bodyPr/>
+                    <a:p>
+                      <a:pPr algn="just">
+                        <a:buNone/>
+                      </a:pPr>
+                      <a:r>
+                        <a:rPr lang="en-US"/>
+                        <a:t>Tìm đường đi ngắn nhất qua một tập các thành phố bằng thuật toán Optimization của Kiến (ACO)</a:t>
+                      </a:r>
+                      <a:endParaRPr lang="en-US"/>
+                    </a:p>
+                  </a:txBody>
+                  <a:tcPr/>
+                </a:tc>
+                <a:tc>
+                  <a:txBody>
+                    <a:bodyPr/>
+                    <a:p>
+                      <a:pPr algn="just">
+                        <a:buNone/>
+                      </a:pPr>
+                      <a:endParaRPr lang="en-US"/>
+                    </a:p>
+                  </a:txBody>
+                  <a:tcPr/>
+                </a:tc>
+              </a:tr>
+              <a:tr h="381000">
+                <a:tc>
+                  <a:txBody>
+                    <a:bodyPr/>
+                    <a:p>
+                      <a:pPr algn="just">
+                        <a:buNone/>
+                      </a:pPr>
+                      <a:r>
+                        <a:rPr lang="en-US"/>
+                        <a:t>ant_colony_optimization</a:t>
+                      </a:r>
+                      <a:endParaRPr lang="en-US"/>
+                    </a:p>
+                  </a:txBody>
+                  <a:tcPr/>
+                </a:tc>
+                <a:tc>
+                  <a:txBody>
+                    <a:bodyPr/>
+                    <a:p>
+                      <a:pPr algn="just">
+                        <a:buNone/>
+                      </a:pPr>
+                      <a:r>
+                        <a:rPr lang="en-US"/>
+                        <a:t>Tìm đường đi ngắn nhất qua một tập các thành phố bằng thuật toán Optimization của Kiến (ACO)</a:t>
+                      </a:r>
+                      <a:endParaRPr lang="en-US"/>
+                    </a:p>
+                  </a:txBody>
+                  <a:tcPr/>
+                </a:tc>
+                <a:tc>
+                  <a:txBody>
+                    <a:bodyPr/>
+                    <a:p>
+                      <a:pPr algn="just">
+                        <a:buNone/>
+                      </a:pPr>
+                      <a:endParaRPr lang="en-US"/>
+                    </a:p>
+                  </a:txBody>
+                  <a:tcPr/>
+                </a:tc>
+              </a:tr>
+            </a:tbl>
+          </a:graphicData>
+        </a:graphic>
+      </p:graphicFrame>
     </p:spTree>
   </p:cSld>
   <p:clrMapOvr>
@@ -5975,6 +6834,301 @@
 </file>
 
 <file path=ppt/slides/slide17.xml><?xml version="1.0" encoding="utf-8"?>
+<p:sld xmlns:a="http://schemas.openxmlformats.org/drawingml/2006/main" xmlns:r="http://schemas.openxmlformats.org/officeDocument/2006/relationships" xmlns:p="http://schemas.openxmlformats.org/presentationml/2006/main">
+  <p:cSld>
+    <p:spTree>
+      <p:nvGrpSpPr>
+        <p:cNvPr id="1" name=""/>
+        <p:cNvGrpSpPr/>
+        <p:nvPr/>
+      </p:nvGrpSpPr>
+      <p:grpSpPr>
+        <a:xfrm>
+          <a:off x="0" y="0"/>
+          <a:ext cx="0" cy="0"/>
+          <a:chOff x="0" y="0"/>
+          <a:chExt cx="0" cy="0"/>
+        </a:xfrm>
+      </p:grpSpPr>
+      <p:sp>
+        <p:nvSpPr>
+          <p:cNvPr id="2" name="Title 1"/>
+          <p:cNvSpPr>
+            <a:spLocks noGrp="1"/>
+          </p:cNvSpPr>
+          <p:nvPr>
+            <p:ph type="title"/>
+          </p:nvPr>
+        </p:nvSpPr>
+        <p:spPr>
+          <a:xfrm>
+            <a:off x="1815473" y="104723"/>
+            <a:ext cx="9603275" cy="1049235"/>
+          </a:xfrm>
+        </p:spPr>
+        <p:txBody>
+          <a:bodyPr/>
+          <a:lstStyle/>
+          <a:p>
+            <a:r>
+              <a:rPr lang="en-US" dirty="0"/>
+              <a:t>thời gian chạy cho bộ dữ liệu</a:t>
+            </a:r>
+            <a:endParaRPr lang="en-US" dirty="0"/>
+          </a:p>
+        </p:txBody>
+      </p:sp>
+      <p:sp>
+        <p:nvSpPr>
+          <p:cNvPr id="4" name="Content Placeholder 2"/>
+          <p:cNvSpPr>
+            <a:spLocks noGrp="1"/>
+          </p:cNvSpPr>
+          <p:nvPr/>
+        </p:nvSpPr>
+        <p:spPr>
+          <a:xfrm>
+            <a:off x="191947" y="970383"/>
+            <a:ext cx="11516050" cy="4935895"/>
+          </a:xfrm>
+          <a:prstGeom prst="rect">
+            <a:avLst/>
+          </a:prstGeom>
+        </p:spPr>
+        <p:txBody>
+          <a:bodyPr vert="horz" lIns="91440" tIns="45720" rIns="91440" bIns="45720" rtlCol="0" anchor="t">
+            <a:noAutofit/>
+          </a:bodyPr>
+          <a:lstStyle>
+            <a:lvl1pPr marL="228600" indent="-228600" algn="l" defTabSz="914400" rtl="0" eaLnBrk="1" latinLnBrk="0" hangingPunct="1">
+              <a:lnSpc>
+                <a:spcPct val="120000"/>
+              </a:lnSpc>
+              <a:spcBef>
+                <a:spcPts val="1000"/>
+              </a:spcBef>
+              <a:buClr>
+                <a:schemeClr val="accent1"/>
+              </a:buClr>
+              <a:buSzPct val="100000"/>
+              <a:buFont typeface="Arial" panose="020B0604020202020204" pitchFamily="34" charset="0"/>
+              <a:buChar char="•"/>
+              <a:defRPr sz="2000" kern="1200">
+                <a:solidFill>
+                  <a:schemeClr val="tx1"/>
+                </a:solidFill>
+                <a:effectLst/>
+                <a:latin typeface="+mn-lt"/>
+                <a:ea typeface="+mn-ea"/>
+                <a:cs typeface="+mn-cs"/>
+              </a:defRPr>
+            </a:lvl1pPr>
+            <a:lvl2pPr marL="685800" indent="-228600" algn="l" defTabSz="914400" rtl="0" eaLnBrk="1" latinLnBrk="0" hangingPunct="1">
+              <a:lnSpc>
+                <a:spcPct val="120000"/>
+              </a:lnSpc>
+              <a:spcBef>
+                <a:spcPts val="500"/>
+              </a:spcBef>
+              <a:buClr>
+                <a:schemeClr val="accent1"/>
+              </a:buClr>
+              <a:buSzPct val="100000"/>
+              <a:buFont typeface="Arial" panose="020B0604020202020204" pitchFamily="34" charset="0"/>
+              <a:buChar char="•"/>
+              <a:defRPr sz="1800" kern="1200" cap="none" baseline="0">
+                <a:solidFill>
+                  <a:schemeClr val="tx1"/>
+                </a:solidFill>
+                <a:effectLst/>
+                <a:latin typeface="+mn-lt"/>
+                <a:ea typeface="+mn-ea"/>
+                <a:cs typeface="+mn-cs"/>
+              </a:defRPr>
+            </a:lvl2pPr>
+            <a:lvl3pPr marL="1143000" indent="-228600" algn="l" defTabSz="914400" rtl="0" eaLnBrk="1" latinLnBrk="0" hangingPunct="1">
+              <a:lnSpc>
+                <a:spcPct val="120000"/>
+              </a:lnSpc>
+              <a:spcBef>
+                <a:spcPts val="500"/>
+              </a:spcBef>
+              <a:buClr>
+                <a:schemeClr val="accent1"/>
+              </a:buClr>
+              <a:buSzPct val="100000"/>
+              <a:buFont typeface="Arial" panose="020B0604020202020204" pitchFamily="34" charset="0"/>
+              <a:buChar char="•"/>
+              <a:defRPr sz="1600" kern="1200">
+                <a:solidFill>
+                  <a:schemeClr val="tx1"/>
+                </a:solidFill>
+                <a:effectLst/>
+                <a:latin typeface="+mn-lt"/>
+                <a:ea typeface="+mn-ea"/>
+                <a:cs typeface="+mn-cs"/>
+              </a:defRPr>
+            </a:lvl3pPr>
+            <a:lvl4pPr marL="1600200" indent="-228600" algn="l" defTabSz="914400" rtl="0" eaLnBrk="1" latinLnBrk="0" hangingPunct="1">
+              <a:lnSpc>
+                <a:spcPct val="120000"/>
+              </a:lnSpc>
+              <a:spcBef>
+                <a:spcPts val="500"/>
+              </a:spcBef>
+              <a:buClr>
+                <a:schemeClr val="accent1"/>
+              </a:buClr>
+              <a:buSzPct val="100000"/>
+              <a:buFont typeface="Arial" panose="020B0604020202020204" pitchFamily="34" charset="0"/>
+              <a:buChar char="•"/>
+              <a:defRPr sz="1400" kern="1200" cap="none" baseline="0">
+                <a:solidFill>
+                  <a:schemeClr val="tx1"/>
+                </a:solidFill>
+                <a:effectLst/>
+                <a:latin typeface="+mn-lt"/>
+                <a:ea typeface="+mn-ea"/>
+                <a:cs typeface="+mn-cs"/>
+              </a:defRPr>
+            </a:lvl4pPr>
+            <a:lvl5pPr marL="2057400" indent="-228600" algn="l" defTabSz="914400" rtl="0" eaLnBrk="1" latinLnBrk="0" hangingPunct="1">
+              <a:lnSpc>
+                <a:spcPct val="120000"/>
+              </a:lnSpc>
+              <a:spcBef>
+                <a:spcPts val="500"/>
+              </a:spcBef>
+              <a:buClr>
+                <a:schemeClr val="accent1"/>
+              </a:buClr>
+              <a:buSzPct val="100000"/>
+              <a:buFont typeface="Arial" panose="020B0604020202020204" pitchFamily="34" charset="0"/>
+              <a:buChar char="•"/>
+              <a:defRPr sz="1200" kern="1200">
+                <a:solidFill>
+                  <a:schemeClr val="tx1"/>
+                </a:solidFill>
+                <a:effectLst/>
+                <a:latin typeface="+mn-lt"/>
+                <a:ea typeface="+mn-ea"/>
+                <a:cs typeface="+mn-cs"/>
+              </a:defRPr>
+            </a:lvl5pPr>
+            <a:lvl6pPr marL="2514600" indent="-228600" algn="l" defTabSz="914400" rtl="0" eaLnBrk="1" latinLnBrk="0" hangingPunct="1">
+              <a:lnSpc>
+                <a:spcPct val="120000"/>
+              </a:lnSpc>
+              <a:spcBef>
+                <a:spcPts val="500"/>
+              </a:spcBef>
+              <a:buClr>
+                <a:schemeClr val="accent1"/>
+              </a:buClr>
+              <a:buSzPct val="100000"/>
+              <a:buFont typeface="Arial" panose="020B0604020202020204" pitchFamily="34" charset="0"/>
+              <a:buChar char="•"/>
+              <a:defRPr sz="1200" kern="1200">
+                <a:solidFill>
+                  <a:schemeClr val="tx1"/>
+                </a:solidFill>
+                <a:effectLst/>
+                <a:latin typeface="+mn-lt"/>
+                <a:ea typeface="+mn-ea"/>
+                <a:cs typeface="+mn-cs"/>
+              </a:defRPr>
+            </a:lvl6pPr>
+            <a:lvl7pPr marL="2971800" indent="-228600" algn="l" defTabSz="914400" rtl="0" eaLnBrk="1" latinLnBrk="0" hangingPunct="1">
+              <a:lnSpc>
+                <a:spcPct val="120000"/>
+              </a:lnSpc>
+              <a:spcBef>
+                <a:spcPts val="500"/>
+              </a:spcBef>
+              <a:buClr>
+                <a:schemeClr val="accent1"/>
+              </a:buClr>
+              <a:buSzPct val="100000"/>
+              <a:buFont typeface="Arial" panose="020B0604020202020204" pitchFamily="34" charset="0"/>
+              <a:buChar char="•"/>
+              <a:defRPr sz="1200" kern="1200">
+                <a:solidFill>
+                  <a:schemeClr val="tx1"/>
+                </a:solidFill>
+                <a:effectLst/>
+                <a:latin typeface="+mn-lt"/>
+                <a:ea typeface="+mn-ea"/>
+                <a:cs typeface="+mn-cs"/>
+              </a:defRPr>
+            </a:lvl7pPr>
+            <a:lvl8pPr marL="3429000" indent="-228600" algn="l" defTabSz="914400" rtl="0" eaLnBrk="1" latinLnBrk="0" hangingPunct="1">
+              <a:lnSpc>
+                <a:spcPct val="120000"/>
+              </a:lnSpc>
+              <a:spcBef>
+                <a:spcPts val="500"/>
+              </a:spcBef>
+              <a:buClr>
+                <a:schemeClr val="accent1"/>
+              </a:buClr>
+              <a:buSzPct val="100000"/>
+              <a:buFont typeface="Arial" panose="020B0604020202020204" pitchFamily="34" charset="0"/>
+              <a:buChar char="•"/>
+              <a:defRPr sz="1200" kern="1200" baseline="0">
+                <a:solidFill>
+                  <a:schemeClr val="tx1"/>
+                </a:solidFill>
+                <a:effectLst/>
+                <a:latin typeface="+mn-lt"/>
+                <a:ea typeface="+mn-ea"/>
+                <a:cs typeface="+mn-cs"/>
+              </a:defRPr>
+            </a:lvl8pPr>
+            <a:lvl9pPr marL="3886200" indent="-228600" algn="l" defTabSz="914400" rtl="0" eaLnBrk="1" latinLnBrk="0" hangingPunct="1">
+              <a:lnSpc>
+                <a:spcPct val="120000"/>
+              </a:lnSpc>
+              <a:spcBef>
+                <a:spcPts val="500"/>
+              </a:spcBef>
+              <a:buClr>
+                <a:schemeClr val="accent1"/>
+              </a:buClr>
+              <a:buSzPct val="100000"/>
+              <a:buFont typeface="Arial" panose="020B0604020202020204" pitchFamily="34" charset="0"/>
+              <a:buChar char="•"/>
+              <a:defRPr sz="1200" kern="1200" baseline="0">
+                <a:solidFill>
+                  <a:schemeClr val="tx1"/>
+                </a:solidFill>
+                <a:effectLst/>
+                <a:latin typeface="+mn-lt"/>
+                <a:ea typeface="+mn-ea"/>
+                <a:cs typeface="+mn-cs"/>
+              </a:defRPr>
+            </a:lvl9pPr>
+          </a:lstStyle>
+          <a:p>
+            <a:pPr marL="0" indent="0">
+              <a:buNone/>
+            </a:pPr>
+            <a:r>
+              <a:rPr lang="en-US" sz="2000" dirty="0"/>
+              <a:t>	</a:t>
+            </a:r>
+            <a:endParaRPr lang="en-US" sz="2000" dirty="0"/>
+          </a:p>
+        </p:txBody>
+      </p:sp>
+    </p:spTree>
+  </p:cSld>
+  <p:clrMapOvr>
+    <a:masterClrMapping/>
+  </p:clrMapOvr>
+</p:sld>
+</file>
+
+<file path=ppt/slides/slide18.xml><?xml version="1.0" encoding="utf-8"?>
 <p:sld xmlns:a="http://schemas.openxmlformats.org/drawingml/2006/main" xmlns:r="http://schemas.openxmlformats.org/officeDocument/2006/relationships" xmlns:p="http://schemas.openxmlformats.org/presentationml/2006/main">
   <p:cSld>
     <p:spTree>

--- a/Slide_TT/52000775_52000896_52000092.pptx
+++ b/Slide_TT/52000775_52000896_52000092.pptx
@@ -4314,12 +4314,28 @@
             <a:endParaRPr lang="en-US" dirty="0"/>
           </a:p>
           <a:p>
+            <a:pPr marL="0" indent="457200">
+              <a:buNone/>
+            </a:pPr>
+            <a:r>
+              <a:rPr lang="en-US" dirty="0"/>
+              <a:t>1) </a:t>
+            </a:r>
+            <a:r>
+              <a:rPr lang="en-US" dirty="0">
+                <a:sym typeface="+mn-ea"/>
+              </a:rPr>
+              <a:t>Dùng FPA để set tham số đầu vào cho ACO.</a:t>
+            </a:r>
+            <a:endParaRPr lang="en-US" dirty="0"/>
+          </a:p>
+          <a:p>
             <a:pPr marL="457200" lvl="1" indent="0">
               <a:buNone/>
             </a:pPr>
             <a:r>
               <a:rPr lang="en-US" sz="2000" dirty="0"/>
-              <a:t>1) Tìm giải pháp bằng ACO.</a:t>
+              <a:t>2) Tìm giải pháp bằng ACO với tham số đầu vào của FPA.</a:t>
             </a:r>
             <a:endParaRPr lang="en-US" sz="2000" dirty="0"/>
           </a:p>
@@ -4329,17 +4345,7 @@
             </a:pPr>
             <a:r>
               <a:rPr lang="en-US" sz="2000" dirty="0"/>
-              <a:t>2) Dùng 2-opt để cải thiện giải pháp (1).</a:t>
-            </a:r>
-            <a:endParaRPr lang="en-US" sz="2000" dirty="0"/>
-          </a:p>
-          <a:p>
-            <a:pPr marL="457200" lvl="1" indent="0">
-              <a:buNone/>
-            </a:pPr>
-            <a:r>
-              <a:rPr lang="en-US" sz="2000" dirty="0"/>
-              <a:t>3) Dùng FPA để set tham số đầu vào cho ACO.</a:t>
+              <a:t>3) Dùng 2-opt để cải thiện giải pháp (2).</a:t>
             </a:r>
             <a:endParaRPr lang="en-US" sz="2000" dirty="0"/>
           </a:p>
@@ -5798,6 +5804,10 @@
                       <a:pPr algn="just">
                         <a:buNone/>
                       </a:pPr>
+                      <a:r>
+                        <a:rPr lang="en-US"/>
+                        <a:t>O(len(city_tour[0]))</a:t>
+                      </a:r>
                       <a:endParaRPr lang="en-US"/>
                     </a:p>
                   </a:txBody>
@@ -5893,7 +5903,7 @@
           </p:nvPr>
         </p:nvGraphicFramePr>
         <p:xfrm>
-          <a:off x="116840" y="3220720"/>
+          <a:off x="0" y="3220720"/>
           <a:ext cx="11974830" cy="2736850"/>
         </p:xfrm>
         <a:graphic>
@@ -5903,9 +5913,9 @@
                 <a:tableStyleId>{5C22544A-7EE6-4342-B048-85BDC9FD1C3A}</a:tableStyleId>
               </a:tblPr>
               <a:tblGrid>
-                <a:gridCol w="2605405"/>
-                <a:gridCol w="6435725"/>
-                <a:gridCol w="2933700"/>
+                <a:gridCol w="3031490"/>
+                <a:gridCol w="6456045"/>
+                <a:gridCol w="2487295"/>
               </a:tblGrid>
               <a:tr h="409575">
                 <a:tc>
@@ -5983,7 +5993,7 @@
                       </a:pPr>
                       <a:r>
                         <a:rPr lang="en-US"/>
-                        <a:t>Tính tổng khoảng cách của một tour du lịch.</a:t>
+                        <a:t>Khởi tạo quần thể cá thể ban đầu cho thuật toán tối ưu hóa dựa trên quần thể</a:t>
                       </a:r>
                       <a:endParaRPr lang="en-US"/>
                     </a:p>
@@ -5997,6 +6007,20 @@
                       <a:pPr algn="just">
                         <a:buNone/>
                       </a:pPr>
+                      <a:r>
+                        <a:rPr lang="en-US"/>
+                        <a:t>O(N * len(min_val))</a:t>
+                      </a:r>
+                      <a:endParaRPr lang="en-US"/>
+                    </a:p>
+                    <a:p>
+                      <a:pPr algn="just">
+                        <a:buNone/>
+                      </a:pPr>
+                      <a:r>
+                        <a:rPr lang="en-US"/>
+                        <a:t>N: Số lần lặp</a:t>
+                      </a:r>
                       <a:endParaRPr lang="en-US"/>
                     </a:p>
                   </a:txBody>
@@ -6029,7 +6053,7 @@
                       </a:pPr>
                       <a:r>
                         <a:rPr lang="en-US"/>
-                        <a:t>Tìm kiếm cục bộ 2-opt để cải thiện tour du lịch</a:t>
+                        <a:t>Tạo ra một bước nhảy Lévy với tham số beta</a:t>
                       </a:r>
                       <a:endParaRPr lang="en-US"/>
                     </a:p>
@@ -6043,6 +6067,10 @@
                       <a:pPr algn="just">
                         <a:buNone/>
                       </a:pPr>
+                      <a:r>
+                        <a:rPr lang="en-US"/>
+                        <a:t>O(1)</a:t>
+                      </a:r>
                       <a:endParaRPr lang="en-US"/>
                     </a:p>
                   </a:txBody>
@@ -6073,6 +6101,10 @@
                       <a:pPr algn="just">
                         <a:buNone/>
                       </a:pPr>
+                      <a:r>
+                        <a:rPr lang="en-US"/>
+                        <a:t>Thực hiện phép thụ phấn toàn cầu trong thuật toán FPA</a:t>
+                      </a:r>
                       <a:endParaRPr lang="en-US"/>
                     </a:p>
                   </a:txBody>
@@ -6085,6 +6117,10 @@
                       <a:pPr algn="just">
                         <a:buNone/>
                       </a:pPr>
+                      <a:r>
+                        <a:rPr lang="en-US"/>
+                        <a:t>O(len(best_global))</a:t>
+                      </a:r>
                       <a:endParaRPr lang="en-US"/>
                     </a:p>
                   </a:txBody>
@@ -6115,6 +6151,10 @@
                       <a:pPr algn="just">
                         <a:buNone/>
                       </a:pPr>
+                      <a:r>
+                        <a:rPr lang="en-US"/>
+                        <a:t>Thực hiện phép thụ phấn địa phương trong thuật toán FPA</a:t>
+                      </a:r>
                       <a:endParaRPr lang="en-US"/>
                     </a:p>
                   </a:txBody>
@@ -6127,6 +6167,10 @@
                       <a:pPr algn="just">
                         <a:buNone/>
                       </a:pPr>
+                      <a:r>
+                        <a:rPr lang="en-US"/>
+                        <a:t>O(len(best_global))</a:t>
+                      </a:r>
                       <a:endParaRPr lang="en-US"/>
                     </a:p>
                   </a:txBody>
@@ -6157,6 +6201,10 @@
                       <a:pPr algn="just">
                         <a:buNone/>
                       </a:pPr>
+                      <a:r>
+                        <a:rPr lang="en-US"/>
+                        <a:t>Tối ưu hóa dựa trên quần thể FPA</a:t>
+                      </a:r>
                       <a:endParaRPr lang="en-US"/>
                     </a:p>
                   </a:txBody>
@@ -6166,9 +6214,13 @@
                   <a:txBody>
                     <a:bodyPr/>
                     <a:p>
-                      <a:pPr algn="just">
+                      <a:pPr algn="l">
                         <a:buNone/>
                       </a:pPr>
+                      <a:r>
+                        <a:rPr lang="en-US"/>
+                        <a:t>O(flowers * len(min_values) + (iteration + 1) * (flowers * len(position[0]) + flowers * log(flowers)))</a:t>
+                      </a:r>
                       <a:endParaRPr lang="en-US"/>
                     </a:p>
                   </a:txBody>
@@ -6481,8 +6533,8 @@
           <p:nvPr/>
         </p:nvGraphicFramePr>
         <p:xfrm>
-          <a:off x="116205" y="1489710"/>
-          <a:ext cx="11975465" cy="4236720"/>
+          <a:off x="-35560" y="1489710"/>
+          <a:ext cx="12127230" cy="4770120"/>
         </p:xfrm>
         <a:graphic>
           <a:graphicData uri="http://schemas.openxmlformats.org/drawingml/2006/table">
@@ -6491,9 +6543,9 @@
                 <a:tableStyleId>{5C22544A-7EE6-4342-B048-85BDC9FD1C3A}</a:tableStyleId>
               </a:tblPr>
               <a:tblGrid>
-                <a:gridCol w="2605405"/>
-                <a:gridCol w="6436360"/>
-                <a:gridCol w="2933700"/>
+                <a:gridCol w="2757170"/>
+                <a:gridCol w="6405880"/>
+                <a:gridCol w="2964180"/>
               </a:tblGrid>
               <a:tr h="381000">
                 <a:tc>
@@ -6585,6 +6637,20 @@
                       <a:pPr algn="just">
                         <a:buNone/>
                       </a:pPr>
+                      <a:r>
+                        <a:rPr lang="en-US"/>
+                        <a:t>O(n^2)</a:t>
+                      </a:r>
+                      <a:endParaRPr lang="en-US"/>
+                    </a:p>
+                    <a:p>
+                      <a:pPr algn="just">
+                        <a:buNone/>
+                      </a:pPr>
+                      <a:r>
+                        <a:rPr lang="en-US"/>
+                        <a:t>n: Số lượng thành phố</a:t>
+                      </a:r>
                       <a:endParaRPr lang="en-US"/>
                     </a:p>
                   </a:txBody>
@@ -6631,6 +6697,20 @@
                       <a:pPr algn="just">
                         <a:buNone/>
                       </a:pPr>
+                      <a:r>
+                        <a:rPr lang="en-US"/>
+                        <a:t>O(n ^2)</a:t>
+                      </a:r>
+                      <a:endParaRPr lang="en-US"/>
+                    </a:p>
+                    <a:p>
+                      <a:pPr algn="just">
+                        <a:buNone/>
+                      </a:pPr>
+                      <a:r>
+                        <a:rPr lang="en-US"/>
+                        <a:t>n: Số lượng thành phố</a:t>
+                      </a:r>
                       <a:endParaRPr lang="en-US"/>
                     </a:p>
                   </a:txBody>
@@ -6677,6 +6757,10 @@
                       <a:pPr algn="just">
                         <a:buNone/>
                       </a:pPr>
+                      <a:r>
+                        <a:rPr lang="en-US"/>
+                        <a:t>O(len(probability_matrix))</a:t>
+                      </a:r>
                       <a:endParaRPr lang="en-US"/>
                     </a:p>
                   </a:txBody>
@@ -6723,6 +6807,10 @@
                       <a:pPr algn="just">
                         <a:buNone/>
                       </a:pPr>
+                      <a:r>
+                        <a:rPr lang="en-US"/>
+                        <a:t>O(len(city_list))</a:t>
+                      </a:r>
                       <a:endParaRPr lang="en-US"/>
                     </a:p>
                   </a:txBody>
@@ -6769,6 +6857,10 @@
                       <a:pPr algn="just">
                         <a:buNone/>
                       </a:pPr>
+                      <a:r>
+                        <a:rPr lang="en-US"/>
+                        <a:t>O(ants * len(distance_matrix) * (số lần lặp trong tìm kiếm cục bộ) + n^2)</a:t>
+                      </a:r>
                       <a:endParaRPr lang="en-US"/>
                     </a:p>
                   </a:txBody>
@@ -6815,6 +6907,10 @@
                       <a:pPr algn="just">
                         <a:buNone/>
                       </a:pPr>
+                      <a:r>
+                        <a:rPr lang="en-US"/>
+                        <a:t>O(iterations *ants *len(distance_matrix) * n^2)</a:t>
+                      </a:r>
                       <a:endParaRPr lang="en-US"/>
                     </a:p>
                   </a:txBody>

--- a/Slide_TT/52000775_52000896_52000092.pptx
+++ b/Slide_TT/52000775_52000896_52000092.pptx
@@ -4972,7 +4972,7 @@
             </a:pPr>
             <a:r>
               <a:rPr lang="en-US" sz="2000" dirty="0"/>
-              <a:t>Đầu là vào tập hợp các thành số với hai tham số x và y, biểu thị cho tọa độ của thành phố đó.</a:t>
+              <a:t>Đầu là vào một file txt chứa tập hợp các thành số với hai tham số x và y, biểu thị cho tọa độ của thành phố trên trục Oxy.</a:t>
             </a:r>
             <a:endParaRPr lang="en-US" sz="2000" dirty="0"/>
           </a:p>
@@ -5387,7 +5387,7 @@
             </a:pPr>
             <a:r>
               <a:rPr lang="en-US" sz="2000" dirty="0"/>
-              <a:t>ASFPALs-2opt.py: File chính (giải quyết bài toán TSP)</a:t>
+              <a:t>ASFPALs-2opt.py: Dùng FPA, ACO, 2_opt để giải quyết bài toán TSP</a:t>
             </a:r>
             <a:endParaRPr lang="en-US" sz="2000" dirty="0"/>
           </a:p>
